--- a/Business/Dynamo.pptx
+++ b/Business/Dynamo.pptx
@@ -5,19 +5,17 @@
     <p:sldMasterId id="2147483669" r:id="rId4"/>
   </p:sldMasterIdLst>
   <p:notesMasterIdLst>
-    <p:notesMasterId r:id="rId12"/>
+    <p:notesMasterId r:id="rId10"/>
   </p:notesMasterIdLst>
   <p:handoutMasterIdLst>
-    <p:handoutMasterId r:id="rId13"/>
+    <p:handoutMasterId r:id="rId11"/>
   </p:handoutMasterIdLst>
   <p:sldIdLst>
     <p:sldId id="256" r:id="rId5"/>
     <p:sldId id="257" r:id="rId6"/>
     <p:sldId id="259" r:id="rId7"/>
-    <p:sldId id="262" r:id="rId8"/>
+    <p:sldId id="265" r:id="rId8"/>
     <p:sldId id="264" r:id="rId9"/>
-    <p:sldId id="265" r:id="rId10"/>
-    <p:sldId id="266" r:id="rId11"/>
   </p:sldIdLst>
   <p:sldSz cx="12192000" cy="6858000"/>
   <p:notesSz cx="6858000" cy="9144000"/>
@@ -917,90 +915,6 @@
 </p:notes>
 </file>
 
-<file path=ppt/notesSlides/notesSlide4.xml><?xml version="1.0" encoding="utf-8"?>
-<p:notes xmlns:a="http://schemas.openxmlformats.org/drawingml/2006/main" xmlns:r="http://schemas.openxmlformats.org/officeDocument/2006/relationships" xmlns:p="http://schemas.openxmlformats.org/presentationml/2006/main">
-  <p:cSld>
-    <p:spTree>
-      <p:nvGrpSpPr>
-        <p:cNvPr id="1" name=""/>
-        <p:cNvGrpSpPr/>
-        <p:nvPr/>
-      </p:nvGrpSpPr>
-      <p:grpSpPr>
-        <a:xfrm>
-          <a:off x="0" y="0"/>
-          <a:ext cx="0" cy="0"/>
-          <a:chOff x="0" y="0"/>
-          <a:chExt cx="0" cy="0"/>
-        </a:xfrm>
-      </p:grpSpPr>
-      <p:sp>
-        <p:nvSpPr>
-          <p:cNvPr id="2" name="Slide Image Placeholder 1"/>
-          <p:cNvSpPr>
-            <a:spLocks noGrp="1" noRot="1" noChangeAspect="1"/>
-          </p:cNvSpPr>
-          <p:nvPr>
-            <p:ph type="sldImg"/>
-          </p:nvPr>
-        </p:nvSpPr>
-        <p:spPr/>
-      </p:sp>
-      <p:sp>
-        <p:nvSpPr>
-          <p:cNvPr id="3" name="Notes Placeholder 2"/>
-          <p:cNvSpPr>
-            <a:spLocks noGrp="1"/>
-          </p:cNvSpPr>
-          <p:nvPr>
-            <p:ph type="body" idx="1"/>
-          </p:nvPr>
-        </p:nvSpPr>
-        <p:spPr/>
-        <p:txBody>
-          <a:bodyPr/>
-          <a:lstStyle/>
-          <a:p>
-            <a:endParaRPr lang="en-US" dirty="0"/>
-          </a:p>
-        </p:txBody>
-      </p:sp>
-      <p:sp>
-        <p:nvSpPr>
-          <p:cNvPr id="4" name="Slide Number Placeholder 3"/>
-          <p:cNvSpPr>
-            <a:spLocks noGrp="1"/>
-          </p:cNvSpPr>
-          <p:nvPr>
-            <p:ph type="sldNum" sz="quarter" idx="5"/>
-          </p:nvPr>
-        </p:nvSpPr>
-        <p:spPr/>
-        <p:txBody>
-          <a:bodyPr/>
-          <a:lstStyle/>
-          <a:p>
-            <a:fld id="{69BB1A04-13E8-48CD-97F9-AC2568E1A8D4}" type="slidenum">
-              <a:rPr lang="en-US" smtClean="0"/>
-              <a:t>4</a:t>
-            </a:fld>
-            <a:endParaRPr lang="en-US" dirty="0"/>
-          </a:p>
-        </p:txBody>
-      </p:sp>
-    </p:spTree>
-    <p:extLst>
-      <p:ext uri="{BB962C8B-B14F-4D97-AF65-F5344CB8AC3E}">
-        <p14:creationId xmlns:p14="http://schemas.microsoft.com/office/powerpoint/2010/main" val="1180684653"/>
-      </p:ext>
-    </p:extLst>
-  </p:cSld>
-  <p:clrMapOvr>
-    <a:masterClrMapping/>
-  </p:clrMapOvr>
-</p:notes>
-</file>
-
 <file path=ppt/slideLayouts/slideLayout1.xml><?xml version="1.0" encoding="utf-8"?>
 <p:sldLayout xmlns:a="http://schemas.openxmlformats.org/drawingml/2006/main" xmlns:r="http://schemas.openxmlformats.org/officeDocument/2006/relationships" xmlns:p="http://schemas.openxmlformats.org/presentationml/2006/main" showMasterSp="0" type="title" preserve="1">
   <p:cSld name="Title Slide">
@@ -13360,7 +13274,7 @@
                 <a16:creationId xmlns:a16="http://schemas.microsoft.com/office/drawing/2014/main" id="{788D5DFD-FA42-4EB0-B24E-4180C0CC5A0F}"/>
               </a:ext>
               <a:ext uri="{C183D7F6-B498-43B3-948B-1728B52AA6E4}">
-                <adec:decorative xmlns:adec="http://schemas.microsoft.com/office/drawing/2017/decorative" xmlns="" val="1"/>
+                <adec:decorative xmlns:adec="http://schemas.microsoft.com/office/drawing/2017/decorative" val="1"/>
               </a:ext>
             </a:extLst>
           </p:cNvPr>
@@ -13391,7 +13305,7 @@
                   <a16:creationId xmlns:a16="http://schemas.microsoft.com/office/drawing/2014/main" id="{CC864817-5955-484B-9D1F-9BC8DB7398D5}"/>
                 </a:ext>
                 <a:ext uri="{C183D7F6-B498-43B3-948B-1728B52AA6E4}">
-                  <adec:decorative xmlns:adec="http://schemas.microsoft.com/office/drawing/2017/decorative" xmlns="" val="1"/>
+                  <adec:decorative xmlns:adec="http://schemas.microsoft.com/office/drawing/2017/decorative" val="1"/>
                 </a:ext>
               </a:extLst>
             </p:cNvPr>
@@ -13449,7 +13363,7 @@
                   <a16:creationId xmlns:a16="http://schemas.microsoft.com/office/drawing/2014/main" id="{280C083F-71A6-4E55-AE35-586518FE29BC}"/>
                 </a:ext>
                 <a:ext uri="{C183D7F6-B498-43B3-948B-1728B52AA6E4}">
-                  <adec:decorative xmlns:adec="http://schemas.microsoft.com/office/drawing/2017/decorative" xmlns="" val="1"/>
+                  <adec:decorative xmlns:adec="http://schemas.microsoft.com/office/drawing/2017/decorative" val="1"/>
                 </a:ext>
               </a:extLst>
             </p:cNvPr>
@@ -13550,7 +13464,7 @@
                 <a16:creationId xmlns:a16="http://schemas.microsoft.com/office/drawing/2014/main" id="{D44056DF-7985-4692-968A-466E9E6AF76A}"/>
               </a:ext>
               <a:ext uri="{C183D7F6-B498-43B3-948B-1728B52AA6E4}">
-                <adec:decorative xmlns:adec="http://schemas.microsoft.com/office/drawing/2017/decorative" xmlns="" val="1"/>
+                <adec:decorative xmlns:adec="http://schemas.microsoft.com/office/drawing/2017/decorative" val="1"/>
               </a:ext>
             </a:extLst>
           </p:cNvPr>
@@ -13581,7 +13495,7 @@
                   <a16:creationId xmlns:a16="http://schemas.microsoft.com/office/drawing/2014/main" id="{B414A174-532A-4602-934F-9858D1D86804}"/>
                 </a:ext>
                 <a:ext uri="{C183D7F6-B498-43B3-948B-1728B52AA6E4}">
-                  <adec:decorative xmlns:adec="http://schemas.microsoft.com/office/drawing/2017/decorative" xmlns="" val="1"/>
+                  <adec:decorative xmlns:adec="http://schemas.microsoft.com/office/drawing/2017/decorative" val="1"/>
                 </a:ext>
               </a:extLst>
             </p:cNvPr>
@@ -13657,7 +13571,7 @@
                   <a16:creationId xmlns:a16="http://schemas.microsoft.com/office/drawing/2014/main" id="{940B0C0C-7F94-4725-8108-62B3B7A5AE70}"/>
                 </a:ext>
                 <a:ext uri="{C183D7F6-B498-43B3-948B-1728B52AA6E4}">
-                  <adec:decorative xmlns:adec="http://schemas.microsoft.com/office/drawing/2017/decorative" xmlns="" val="1"/>
+                  <adec:decorative xmlns:adec="http://schemas.microsoft.com/office/drawing/2017/decorative" val="1"/>
                 </a:ext>
               </a:extLst>
             </p:cNvPr>
@@ -13686,7 +13600,7 @@
                     <a16:creationId xmlns:a16="http://schemas.microsoft.com/office/drawing/2014/main" id="{367EAC5B-1891-480A-A3AD-B9F6A88FAC5F}"/>
                   </a:ext>
                   <a:ext uri="{C183D7F6-B498-43B3-948B-1728B52AA6E4}">
-                    <adec:decorative xmlns:adec="http://schemas.microsoft.com/office/drawing/2017/decorative" xmlns="" val="1"/>
+                    <adec:decorative xmlns:adec="http://schemas.microsoft.com/office/drawing/2017/decorative" val="1"/>
                   </a:ext>
                 </a:extLst>
               </p:cNvPr>
@@ -13766,7 +13680,7 @@
                     <a16:creationId xmlns:a16="http://schemas.microsoft.com/office/drawing/2014/main" id="{E33FF633-15BA-464F-8F5B-26C56665F795}"/>
                   </a:ext>
                   <a:ext uri="{C183D7F6-B498-43B3-948B-1728B52AA6E4}">
-                    <adec:decorative xmlns:adec="http://schemas.microsoft.com/office/drawing/2017/decorative" xmlns="" val="1"/>
+                    <adec:decorative xmlns:adec="http://schemas.microsoft.com/office/drawing/2017/decorative" val="1"/>
                   </a:ext>
                 </a:extLst>
               </p:cNvPr>
@@ -13896,7 +13810,7 @@
                     <a16:creationId xmlns:a16="http://schemas.microsoft.com/office/drawing/2014/main" id="{0C949DF6-E66B-4DB8-AB52-30CA781B4834}"/>
                   </a:ext>
                   <a:ext uri="{C183D7F6-B498-43B3-948B-1728B52AA6E4}">
-                    <adec:decorative xmlns:adec="http://schemas.microsoft.com/office/drawing/2017/decorative" xmlns="" val="1"/>
+                    <adec:decorative xmlns:adec="http://schemas.microsoft.com/office/drawing/2017/decorative" val="1"/>
                   </a:ext>
                 </a:extLst>
               </p:cNvPr>
@@ -14001,7 +13915,7 @@
                     <a16:creationId xmlns:a16="http://schemas.microsoft.com/office/drawing/2014/main" id="{309C2298-5EF9-4B09-8995-014F6D3BFF5C}"/>
                   </a:ext>
                   <a:ext uri="{C183D7F6-B498-43B3-948B-1728B52AA6E4}">
-                    <adec:decorative xmlns:adec="http://schemas.microsoft.com/office/drawing/2017/decorative" xmlns="" val="1"/>
+                    <adec:decorative xmlns:adec="http://schemas.microsoft.com/office/drawing/2017/decorative" val="1"/>
                   </a:ext>
                 </a:extLst>
               </p:cNvPr>
@@ -14084,7 +13998,7 @@
                     <a16:creationId xmlns:a16="http://schemas.microsoft.com/office/drawing/2014/main" id="{319B2AFC-EBFF-477C-A364-6D575BE5AA0A}"/>
                   </a:ext>
                   <a:ext uri="{C183D7F6-B498-43B3-948B-1728B52AA6E4}">
-                    <adec:decorative xmlns:adec="http://schemas.microsoft.com/office/drawing/2017/decorative" xmlns="" val="1"/>
+                    <adec:decorative xmlns:adec="http://schemas.microsoft.com/office/drawing/2017/decorative" val="1"/>
                   </a:ext>
                 </a:extLst>
               </p:cNvPr>
@@ -14164,7 +14078,7 @@
                     <a16:creationId xmlns:a16="http://schemas.microsoft.com/office/drawing/2014/main" id="{CC6B7D67-F2F8-4B07-B954-EAC9135B2BB4}"/>
                   </a:ext>
                   <a:ext uri="{C183D7F6-B498-43B3-948B-1728B52AA6E4}">
-                    <adec:decorative xmlns:adec="http://schemas.microsoft.com/office/drawing/2017/decorative" xmlns="" val="1"/>
+                    <adec:decorative xmlns:adec="http://schemas.microsoft.com/office/drawing/2017/decorative" val="1"/>
                   </a:ext>
                 </a:extLst>
               </p:cNvPr>
@@ -14269,7 +14183,7 @@
                     <a16:creationId xmlns:a16="http://schemas.microsoft.com/office/drawing/2014/main" id="{7FF1659D-33DA-4F62-8567-A54020D2E28E}"/>
                   </a:ext>
                   <a:ext uri="{C183D7F6-B498-43B3-948B-1728B52AA6E4}">
-                    <adec:decorative xmlns:adec="http://schemas.microsoft.com/office/drawing/2017/decorative" xmlns="" val="1"/>
+                    <adec:decorative xmlns:adec="http://schemas.microsoft.com/office/drawing/2017/decorative" val="1"/>
                   </a:ext>
                 </a:extLst>
               </p:cNvPr>
@@ -14374,7 +14288,7 @@
                     <a16:creationId xmlns:a16="http://schemas.microsoft.com/office/drawing/2014/main" id="{9110F572-DC3D-4AB3-B731-B73BD650576B}"/>
                   </a:ext>
                   <a:ext uri="{C183D7F6-B498-43B3-948B-1728B52AA6E4}">
-                    <adec:decorative xmlns:adec="http://schemas.microsoft.com/office/drawing/2017/decorative" xmlns="" val="1"/>
+                    <adec:decorative xmlns:adec="http://schemas.microsoft.com/office/drawing/2017/decorative" val="1"/>
                   </a:ext>
                 </a:extLst>
               </p:cNvPr>
@@ -14457,7 +14371,7 @@
                     <a16:creationId xmlns:a16="http://schemas.microsoft.com/office/drawing/2014/main" id="{A2F7D0E9-68CE-40F9-B0E9-F915103ECF79}"/>
                   </a:ext>
                   <a:ext uri="{C183D7F6-B498-43B3-948B-1728B52AA6E4}">
-                    <adec:decorative xmlns:adec="http://schemas.microsoft.com/office/drawing/2017/decorative" xmlns="" val="1"/>
+                    <adec:decorative xmlns:adec="http://schemas.microsoft.com/office/drawing/2017/decorative" val="1"/>
                   </a:ext>
                 </a:extLst>
               </p:cNvPr>
@@ -14562,7 +14476,7 @@
                     <a16:creationId xmlns:a16="http://schemas.microsoft.com/office/drawing/2014/main" id="{AB69A438-1FB7-454A-A3E9-0C329643CD48}"/>
                   </a:ext>
                   <a:ext uri="{C183D7F6-B498-43B3-948B-1728B52AA6E4}">
-                    <adec:decorative xmlns:adec="http://schemas.microsoft.com/office/drawing/2017/decorative" xmlns="" val="1"/>
+                    <adec:decorative xmlns:adec="http://schemas.microsoft.com/office/drawing/2017/decorative" val="1"/>
                   </a:ext>
                 </a:extLst>
               </p:cNvPr>
@@ -14611,7 +14525,7 @@
                     <a16:creationId xmlns:a16="http://schemas.microsoft.com/office/drawing/2014/main" id="{E64598D0-3A2C-4570-9E7C-C52C89549B47}"/>
                   </a:ext>
                   <a:ext uri="{C183D7F6-B498-43B3-948B-1728B52AA6E4}">
-                    <adec:decorative xmlns:adec="http://schemas.microsoft.com/office/drawing/2017/decorative" xmlns="" val="1"/>
+                    <adec:decorative xmlns:adec="http://schemas.microsoft.com/office/drawing/2017/decorative" val="1"/>
                   </a:ext>
                 </a:extLst>
               </p:cNvPr>
@@ -14691,7 +14605,7 @@
                     <a16:creationId xmlns:a16="http://schemas.microsoft.com/office/drawing/2014/main" id="{CC17CF42-8908-477B-9F36-DA1306CA010C}"/>
                   </a:ext>
                   <a:ext uri="{C183D7F6-B498-43B3-948B-1728B52AA6E4}">
-                    <adec:decorative xmlns:adec="http://schemas.microsoft.com/office/drawing/2017/decorative" xmlns="" val="1"/>
+                    <adec:decorative xmlns:adec="http://schemas.microsoft.com/office/drawing/2017/decorative" val="1"/>
                   </a:ext>
                 </a:extLst>
               </p:cNvPr>
@@ -14821,7 +14735,7 @@
                     <a16:creationId xmlns:a16="http://schemas.microsoft.com/office/drawing/2014/main" id="{A2457851-D4A0-404C-BF3F-99AE00B9E965}"/>
                   </a:ext>
                   <a:ext uri="{C183D7F6-B498-43B3-948B-1728B52AA6E4}">
-                    <adec:decorative xmlns:adec="http://schemas.microsoft.com/office/drawing/2017/decorative" xmlns="" val="1"/>
+                    <adec:decorative xmlns:adec="http://schemas.microsoft.com/office/drawing/2017/decorative" val="1"/>
                   </a:ext>
                 </a:extLst>
               </p:cNvPr>
@@ -14926,7 +14840,7 @@
                     <a16:creationId xmlns:a16="http://schemas.microsoft.com/office/drawing/2014/main" id="{ECC300FA-EE4A-489E-9A47-79BEBF05DCEF}"/>
                   </a:ext>
                   <a:ext uri="{C183D7F6-B498-43B3-948B-1728B52AA6E4}">
-                    <adec:decorative xmlns:adec="http://schemas.microsoft.com/office/drawing/2017/decorative" xmlns="" val="1"/>
+                    <adec:decorative xmlns:adec="http://schemas.microsoft.com/office/drawing/2017/decorative" val="1"/>
                   </a:ext>
                 </a:extLst>
               </p:cNvPr>
@@ -15009,7 +14923,7 @@
                     <a16:creationId xmlns:a16="http://schemas.microsoft.com/office/drawing/2014/main" id="{0D1F26E2-902B-416B-A1DB-80DAF78D8B89}"/>
                   </a:ext>
                   <a:ext uri="{C183D7F6-B498-43B3-948B-1728B52AA6E4}">
-                    <adec:decorative xmlns:adec="http://schemas.microsoft.com/office/drawing/2017/decorative" xmlns="" val="1"/>
+                    <adec:decorative xmlns:adec="http://schemas.microsoft.com/office/drawing/2017/decorative" val="1"/>
                   </a:ext>
                 </a:extLst>
               </p:cNvPr>
@@ -15089,7 +15003,7 @@
                     <a16:creationId xmlns:a16="http://schemas.microsoft.com/office/drawing/2014/main" id="{491346A0-BF6D-45A5-806A-2150768722C8}"/>
                   </a:ext>
                   <a:ext uri="{C183D7F6-B498-43B3-948B-1728B52AA6E4}">
-                    <adec:decorative xmlns:adec="http://schemas.microsoft.com/office/drawing/2017/decorative" xmlns="" val="1"/>
+                    <adec:decorative xmlns:adec="http://schemas.microsoft.com/office/drawing/2017/decorative" val="1"/>
                   </a:ext>
                 </a:extLst>
               </p:cNvPr>
@@ -15194,7 +15108,7 @@
                     <a16:creationId xmlns:a16="http://schemas.microsoft.com/office/drawing/2014/main" id="{A8A5AAC9-38FD-4A03-AB91-236F2AAC625C}"/>
                   </a:ext>
                   <a:ext uri="{C183D7F6-B498-43B3-948B-1728B52AA6E4}">
-                    <adec:decorative xmlns:adec="http://schemas.microsoft.com/office/drawing/2017/decorative" xmlns="" val="1"/>
+                    <adec:decorative xmlns:adec="http://schemas.microsoft.com/office/drawing/2017/decorative" val="1"/>
                   </a:ext>
                 </a:extLst>
               </p:cNvPr>
@@ -15299,7 +15213,7 @@
                     <a16:creationId xmlns:a16="http://schemas.microsoft.com/office/drawing/2014/main" id="{7AD4105C-55AA-47FF-AC5D-5BCB0B78CDC9}"/>
                   </a:ext>
                   <a:ext uri="{C183D7F6-B498-43B3-948B-1728B52AA6E4}">
-                    <adec:decorative xmlns:adec="http://schemas.microsoft.com/office/drawing/2017/decorative" xmlns="" val="1"/>
+                    <adec:decorative xmlns:adec="http://schemas.microsoft.com/office/drawing/2017/decorative" val="1"/>
                   </a:ext>
                 </a:extLst>
               </p:cNvPr>
@@ -15382,7 +15296,7 @@
                     <a16:creationId xmlns:a16="http://schemas.microsoft.com/office/drawing/2014/main" id="{1C4B42B1-B112-4057-82C3-E5AF3BC7F6DF}"/>
                   </a:ext>
                   <a:ext uri="{C183D7F6-B498-43B3-948B-1728B52AA6E4}">
-                    <adec:decorative xmlns:adec="http://schemas.microsoft.com/office/drawing/2017/decorative" xmlns="" val="1"/>
+                    <adec:decorative xmlns:adec="http://schemas.microsoft.com/office/drawing/2017/decorative" val="1"/>
                   </a:ext>
                 </a:extLst>
               </p:cNvPr>
@@ -15487,7 +15401,7 @@
                     <a16:creationId xmlns:a16="http://schemas.microsoft.com/office/drawing/2014/main" id="{C8B37395-3651-4E66-A62E-31529FABC8CC}"/>
                   </a:ext>
                   <a:ext uri="{C183D7F6-B498-43B3-948B-1728B52AA6E4}">
-                    <adec:decorative xmlns:adec="http://schemas.microsoft.com/office/drawing/2017/decorative" xmlns="" val="1"/>
+                    <adec:decorative xmlns:adec="http://schemas.microsoft.com/office/drawing/2017/decorative" val="1"/>
                   </a:ext>
                 </a:extLst>
               </p:cNvPr>
@@ -15560,10 +15474,9 @@
           <a:p>
             <a:pPr algn="ctr"/>
             <a:r>
-              <a:rPr lang="en-US" dirty="0" smtClean="0"/>
+              <a:rPr lang="en-US" dirty="0"/>
               <a:t>ENTEG</a:t>
             </a:r>
-            <a:endParaRPr lang="en-US" dirty="0"/>
           </a:p>
         </p:txBody>
       </p:sp>
@@ -15575,7 +15488,7 @@
                 <a16:creationId xmlns:a16="http://schemas.microsoft.com/office/drawing/2014/main" id="{6B6D540F-1E2F-416F-819F-D8216BC8F334}"/>
               </a:ext>
               <a:ext uri="{C183D7F6-B498-43B3-948B-1728B52AA6E4}">
-                <adec:decorative xmlns:adec="http://schemas.microsoft.com/office/drawing/2017/decorative" xmlns="" val="1"/>
+                <adec:decorative xmlns:adec="http://schemas.microsoft.com/office/drawing/2017/decorative" val="1"/>
               </a:ext>
             </a:extLst>
           </p:cNvPr>
@@ -15790,7 +15703,7 @@
                 <a16:creationId xmlns:a16="http://schemas.microsoft.com/office/drawing/2014/main" id="{5FE07634-A83A-4681-9C1D-BC0775F9D296}"/>
               </a:ext>
               <a:ext uri="{C183D7F6-B498-43B3-948B-1728B52AA6E4}">
-                <adec:decorative xmlns:adec="http://schemas.microsoft.com/office/drawing/2017/decorative" xmlns="" val="1"/>
+                <adec:decorative xmlns:adec="http://schemas.microsoft.com/office/drawing/2017/decorative" val="1"/>
               </a:ext>
             </a:extLst>
           </p:cNvPr>
@@ -15821,7 +15734,7 @@
                   <a16:creationId xmlns:a16="http://schemas.microsoft.com/office/drawing/2014/main" id="{BF62976A-266E-4650-88F2-C16130F3DF4C}"/>
                 </a:ext>
                 <a:ext uri="{C183D7F6-B498-43B3-948B-1728B52AA6E4}">
-                  <adec:decorative xmlns:adec="http://schemas.microsoft.com/office/drawing/2017/decorative" xmlns="" val="1"/>
+                  <adec:decorative xmlns:adec="http://schemas.microsoft.com/office/drawing/2017/decorative" val="1"/>
                 </a:ext>
               </a:extLst>
             </p:cNvPr>
@@ -15879,7 +15792,7 @@
                   <a16:creationId xmlns:a16="http://schemas.microsoft.com/office/drawing/2014/main" id="{88D9B99B-59C2-481A-A948-F87920A7FE5E}"/>
                 </a:ext>
                 <a:ext uri="{C183D7F6-B498-43B3-948B-1728B52AA6E4}">
-                  <adec:decorative xmlns:adec="http://schemas.microsoft.com/office/drawing/2017/decorative" xmlns="" val="1"/>
+                  <adec:decorative xmlns:adec="http://schemas.microsoft.com/office/drawing/2017/decorative" val="1"/>
                 </a:ext>
               </a:extLst>
             </p:cNvPr>
@@ -15980,7 +15893,7 @@
                 <a16:creationId xmlns:a16="http://schemas.microsoft.com/office/drawing/2014/main" id="{A2E1FE48-FA7B-4262-B922-041542931DDF}"/>
               </a:ext>
               <a:ext uri="{C183D7F6-B498-43B3-948B-1728B52AA6E4}">
-                <adec:decorative xmlns:adec="http://schemas.microsoft.com/office/drawing/2017/decorative" xmlns="" val="1"/>
+                <adec:decorative xmlns:adec="http://schemas.microsoft.com/office/drawing/2017/decorative" val="1"/>
               </a:ext>
             </a:extLst>
           </p:cNvPr>
@@ -16017,7 +15930,7 @@
                   <a16:creationId xmlns:a16="http://schemas.microsoft.com/office/drawing/2014/main" id="{F2E644B1-8F72-4AC4-89F1-EB3A027341E5}"/>
                 </a:ext>
                 <a:ext uri="{C183D7F6-B498-43B3-948B-1728B52AA6E4}">
-                  <adec:decorative xmlns:adec="http://schemas.microsoft.com/office/drawing/2017/decorative" xmlns="" val="1"/>
+                  <adec:decorative xmlns:adec="http://schemas.microsoft.com/office/drawing/2017/decorative" val="1"/>
                 </a:ext>
               </a:extLst>
             </p:cNvPr>
@@ -16066,7 +15979,7 @@
                   <a16:creationId xmlns:a16="http://schemas.microsoft.com/office/drawing/2014/main" id="{1781B8E8-8A26-4FFB-BE0C-7C0C644F7C52}"/>
                 </a:ext>
                 <a:ext uri="{C183D7F6-B498-43B3-948B-1728B52AA6E4}">
-                  <adec:decorative xmlns:adec="http://schemas.microsoft.com/office/drawing/2017/decorative" xmlns="" val="1"/>
+                  <adec:decorative xmlns:adec="http://schemas.microsoft.com/office/drawing/2017/decorative" val="1"/>
                 </a:ext>
               </a:extLst>
             </p:cNvPr>
@@ -16171,7 +16084,7 @@
                   <a16:creationId xmlns:a16="http://schemas.microsoft.com/office/drawing/2014/main" id="{4109D997-E9DF-4429-A643-3E691E2B706E}"/>
                 </a:ext>
                 <a:ext uri="{C183D7F6-B498-43B3-948B-1728B52AA6E4}">
-                  <adec:decorative xmlns:adec="http://schemas.microsoft.com/office/drawing/2017/decorative" xmlns="" val="1"/>
+                  <adec:decorative xmlns:adec="http://schemas.microsoft.com/office/drawing/2017/decorative" val="1"/>
                 </a:ext>
               </a:extLst>
             </p:cNvPr>
@@ -16276,7 +16189,7 @@
                   <a16:creationId xmlns:a16="http://schemas.microsoft.com/office/drawing/2014/main" id="{B392695A-F131-4C51-B689-3F4D5B1A2F1D}"/>
                 </a:ext>
                 <a:ext uri="{C183D7F6-B498-43B3-948B-1728B52AA6E4}">
-                  <adec:decorative xmlns:adec="http://schemas.microsoft.com/office/drawing/2017/decorative" xmlns="" val="1"/>
+                  <adec:decorative xmlns:adec="http://schemas.microsoft.com/office/drawing/2017/decorative" val="1"/>
                 </a:ext>
               </a:extLst>
             </p:cNvPr>
@@ -16325,7 +16238,7 @@
                   <a16:creationId xmlns:a16="http://schemas.microsoft.com/office/drawing/2014/main" id="{8218EC3E-07D0-417A-B0A8-057F825EF793}"/>
                 </a:ext>
                 <a:ext uri="{C183D7F6-B498-43B3-948B-1728B52AA6E4}">
-                  <adec:decorative xmlns:adec="http://schemas.microsoft.com/office/drawing/2017/decorative" xmlns="" val="1"/>
+                  <adec:decorative xmlns:adec="http://schemas.microsoft.com/office/drawing/2017/decorative" val="1"/>
                 </a:ext>
               </a:extLst>
             </p:cNvPr>
@@ -16430,7 +16343,7 @@
                   <a16:creationId xmlns:a16="http://schemas.microsoft.com/office/drawing/2014/main" id="{B036399E-7675-47B6-A645-242946879EE4}"/>
                 </a:ext>
                 <a:ext uri="{C183D7F6-B498-43B3-948B-1728B52AA6E4}">
-                  <adec:decorative xmlns:adec="http://schemas.microsoft.com/office/drawing/2017/decorative" xmlns="" val="1"/>
+                  <adec:decorative xmlns:adec="http://schemas.microsoft.com/office/drawing/2017/decorative" val="1"/>
                 </a:ext>
               </a:extLst>
             </p:cNvPr>
@@ -16507,7 +16420,7 @@
                   <a16:creationId xmlns:a16="http://schemas.microsoft.com/office/drawing/2014/main" id="{C44A0438-B8A4-43B3-B17C-B919FCD92C2D}"/>
                 </a:ext>
                 <a:ext uri="{C183D7F6-B498-43B3-948B-1728B52AA6E4}">
-                  <adec:decorative xmlns:adec="http://schemas.microsoft.com/office/drawing/2017/decorative" xmlns="" val="1"/>
+                  <adec:decorative xmlns:adec="http://schemas.microsoft.com/office/drawing/2017/decorative" val="1"/>
                 </a:ext>
               </a:extLst>
             </p:cNvPr>
@@ -16584,7 +16497,7 @@
                   <a16:creationId xmlns:a16="http://schemas.microsoft.com/office/drawing/2014/main" id="{ABC7257F-6F64-4B81-BDA7-7C232BCBA262}"/>
                 </a:ext>
                 <a:ext uri="{C183D7F6-B498-43B3-948B-1728B52AA6E4}">
-                  <adec:decorative xmlns:adec="http://schemas.microsoft.com/office/drawing/2017/decorative" xmlns="" val="1"/>
+                  <adec:decorative xmlns:adec="http://schemas.microsoft.com/office/drawing/2017/decorative" val="1"/>
                 </a:ext>
               </a:extLst>
             </p:cNvPr>
@@ -16689,7 +16602,7 @@
                   <a16:creationId xmlns:a16="http://schemas.microsoft.com/office/drawing/2014/main" id="{72DD7E92-F033-480C-A220-63CE422C3A10}"/>
                 </a:ext>
                 <a:ext uri="{C183D7F6-B498-43B3-948B-1728B52AA6E4}">
-                  <adec:decorative xmlns:adec="http://schemas.microsoft.com/office/drawing/2017/decorative" xmlns="" val="1"/>
+                  <adec:decorative xmlns:adec="http://schemas.microsoft.com/office/drawing/2017/decorative" val="1"/>
                 </a:ext>
               </a:extLst>
             </p:cNvPr>
@@ -16766,7 +16679,7 @@
                   <a16:creationId xmlns:a16="http://schemas.microsoft.com/office/drawing/2014/main" id="{444A9AC9-463E-45E7-A818-13F664F7C035}"/>
                 </a:ext>
                 <a:ext uri="{C183D7F6-B498-43B3-948B-1728B52AA6E4}">
-                  <adec:decorative xmlns:adec="http://schemas.microsoft.com/office/drawing/2017/decorative" xmlns="" val="1"/>
+                  <adec:decorative xmlns:adec="http://schemas.microsoft.com/office/drawing/2017/decorative" val="1"/>
                 </a:ext>
               </a:extLst>
             </p:cNvPr>
@@ -16843,7 +16756,7 @@
                   <a16:creationId xmlns:a16="http://schemas.microsoft.com/office/drawing/2014/main" id="{6CCE9BBE-5DE3-4991-80CA-DFEB928673D8}"/>
                 </a:ext>
                 <a:ext uri="{C183D7F6-B498-43B3-948B-1728B52AA6E4}">
-                  <adec:decorative xmlns:adec="http://schemas.microsoft.com/office/drawing/2017/decorative" xmlns="" val="1"/>
+                  <adec:decorative xmlns:adec="http://schemas.microsoft.com/office/drawing/2017/decorative" val="1"/>
                 </a:ext>
               </a:extLst>
             </p:cNvPr>
@@ -16948,7 +16861,7 @@
                   <a16:creationId xmlns:a16="http://schemas.microsoft.com/office/drawing/2014/main" id="{3180F6DF-A13F-491C-BF97-B206E3E7B901}"/>
                 </a:ext>
                 <a:ext uri="{C183D7F6-B498-43B3-948B-1728B52AA6E4}">
-                  <adec:decorative xmlns:adec="http://schemas.microsoft.com/office/drawing/2017/decorative" xmlns="" val="1"/>
+                  <adec:decorative xmlns:adec="http://schemas.microsoft.com/office/drawing/2017/decorative" val="1"/>
                 </a:ext>
               </a:extLst>
             </p:cNvPr>
@@ -17053,7 +16966,7 @@
                   <a16:creationId xmlns:a16="http://schemas.microsoft.com/office/drawing/2014/main" id="{CAD0E44C-73C8-42BB-ADA8-2BA6B308249F}"/>
                 </a:ext>
                 <a:ext uri="{C183D7F6-B498-43B3-948B-1728B52AA6E4}">
-                  <adec:decorative xmlns:adec="http://schemas.microsoft.com/office/drawing/2017/decorative" xmlns="" val="1"/>
+                  <adec:decorative xmlns:adec="http://schemas.microsoft.com/office/drawing/2017/decorative" val="1"/>
                 </a:ext>
               </a:extLst>
             </p:cNvPr>
@@ -17130,7 +17043,7 @@
                   <a16:creationId xmlns:a16="http://schemas.microsoft.com/office/drawing/2014/main" id="{436EC43E-A70D-4E5C-B275-35CA8E93C1B6}"/>
                 </a:ext>
                 <a:ext uri="{C183D7F6-B498-43B3-948B-1728B52AA6E4}">
-                  <adec:decorative xmlns:adec="http://schemas.microsoft.com/office/drawing/2017/decorative" xmlns="" val="1"/>
+                  <adec:decorative xmlns:adec="http://schemas.microsoft.com/office/drawing/2017/decorative" val="1"/>
                 </a:ext>
               </a:extLst>
             </p:cNvPr>
@@ -17255,7 +17168,7 @@
                   <a16:creationId xmlns:a16="http://schemas.microsoft.com/office/drawing/2014/main" id="{ADE7E5B6-2E2A-4F56-9E90-F8613E6D10F7}"/>
                 </a:ext>
                 <a:ext uri="{C183D7F6-B498-43B3-948B-1728B52AA6E4}">
-                  <adec:decorative xmlns:adec="http://schemas.microsoft.com/office/drawing/2017/decorative" xmlns="" val="1"/>
+                  <adec:decorative xmlns:adec="http://schemas.microsoft.com/office/drawing/2017/decorative" val="1"/>
                 </a:ext>
               </a:extLst>
             </p:cNvPr>
@@ -17332,7 +17245,7 @@
                   <a16:creationId xmlns:a16="http://schemas.microsoft.com/office/drawing/2014/main" id="{86B9E49B-AE8D-47E0-BACC-A6D0AC3AB23A}"/>
                 </a:ext>
                 <a:ext uri="{C183D7F6-B498-43B3-948B-1728B52AA6E4}">
-                  <adec:decorative xmlns:adec="http://schemas.microsoft.com/office/drawing/2017/decorative" xmlns="" val="1"/>
+                  <adec:decorative xmlns:adec="http://schemas.microsoft.com/office/drawing/2017/decorative" val="1"/>
                 </a:ext>
               </a:extLst>
             </p:cNvPr>
@@ -17437,7 +17350,7 @@
                   <a16:creationId xmlns:a16="http://schemas.microsoft.com/office/drawing/2014/main" id="{2EB961AF-CD61-41BA-B0B2-0741A5ED6448}"/>
                 </a:ext>
                 <a:ext uri="{C183D7F6-B498-43B3-948B-1728B52AA6E4}">
-                  <adec:decorative xmlns:adec="http://schemas.microsoft.com/office/drawing/2017/decorative" xmlns="" val="1"/>
+                  <adec:decorative xmlns:adec="http://schemas.microsoft.com/office/drawing/2017/decorative" val="1"/>
                 </a:ext>
               </a:extLst>
             </p:cNvPr>
@@ -17542,7 +17455,7 @@
                   <a16:creationId xmlns:a16="http://schemas.microsoft.com/office/drawing/2014/main" id="{DC42BDA1-810A-4135-B3B1-B3161D372A3C}"/>
                 </a:ext>
                 <a:ext uri="{C183D7F6-B498-43B3-948B-1728B52AA6E4}">
-                  <adec:decorative xmlns:adec="http://schemas.microsoft.com/office/drawing/2017/decorative" xmlns="" val="1"/>
+                  <adec:decorative xmlns:adec="http://schemas.microsoft.com/office/drawing/2017/decorative" val="1"/>
                 </a:ext>
               </a:extLst>
             </p:cNvPr>
@@ -17619,7 +17532,7 @@
                   <a16:creationId xmlns:a16="http://schemas.microsoft.com/office/drawing/2014/main" id="{FA51FCA8-FCF4-4116-8CB2-5C539E37F449}"/>
                 </a:ext>
                 <a:ext uri="{C183D7F6-B498-43B3-948B-1728B52AA6E4}">
-                  <adec:decorative xmlns:adec="http://schemas.microsoft.com/office/drawing/2017/decorative" xmlns="" val="1"/>
+                  <adec:decorative xmlns:adec="http://schemas.microsoft.com/office/drawing/2017/decorative" val="1"/>
                 </a:ext>
               </a:extLst>
             </p:cNvPr>
@@ -17724,7 +17637,7 @@
                   <a16:creationId xmlns:a16="http://schemas.microsoft.com/office/drawing/2014/main" id="{F2850A10-CDBC-462A-8CB7-025874683447}"/>
                 </a:ext>
                 <a:ext uri="{C183D7F6-B498-43B3-948B-1728B52AA6E4}">
-                  <adec:decorative xmlns:adec="http://schemas.microsoft.com/office/drawing/2017/decorative" xmlns="" val="1"/>
+                  <adec:decorative xmlns:adec="http://schemas.microsoft.com/office/drawing/2017/decorative" val="1"/>
                 </a:ext>
               </a:extLst>
             </p:cNvPr>
@@ -17829,7 +17742,7 @@
                   <a16:creationId xmlns:a16="http://schemas.microsoft.com/office/drawing/2014/main" id="{738A37B9-77C2-4464-BF1F-2AF25A0D298B}"/>
                 </a:ext>
                 <a:ext uri="{C183D7F6-B498-43B3-948B-1728B52AA6E4}">
-                  <adec:decorative xmlns:adec="http://schemas.microsoft.com/office/drawing/2017/decorative" xmlns="" val="1"/>
+                  <adec:decorative xmlns:adec="http://schemas.microsoft.com/office/drawing/2017/decorative" val="1"/>
                 </a:ext>
               </a:extLst>
             </p:cNvPr>
@@ -17900,7 +17813,7 @@
                   <a16:creationId xmlns:a16="http://schemas.microsoft.com/office/drawing/2014/main" id="{89026C8B-A162-4523-A51B-9F1200BC603D}"/>
                 </a:ext>
                 <a:ext uri="{C183D7F6-B498-43B3-948B-1728B52AA6E4}">
-                  <adec:decorative xmlns:adec="http://schemas.microsoft.com/office/drawing/2017/decorative" xmlns="" val="1"/>
+                  <adec:decorative xmlns:adec="http://schemas.microsoft.com/office/drawing/2017/decorative" val="1"/>
                 </a:ext>
               </a:extLst>
             </p:cNvPr>
@@ -18005,7 +17918,7 @@
                   <a16:creationId xmlns:a16="http://schemas.microsoft.com/office/drawing/2014/main" id="{5B76BC40-1FA2-477D-B2C2-4763577DB78E}"/>
                 </a:ext>
                 <a:ext uri="{C183D7F6-B498-43B3-948B-1728B52AA6E4}">
-                  <adec:decorative xmlns:adec="http://schemas.microsoft.com/office/drawing/2017/decorative" xmlns="" val="1"/>
+                  <adec:decorative xmlns:adec="http://schemas.microsoft.com/office/drawing/2017/decorative" val="1"/>
                 </a:ext>
               </a:extLst>
             </p:cNvPr>
@@ -18076,7 +17989,7 @@
                   <a16:creationId xmlns:a16="http://schemas.microsoft.com/office/drawing/2014/main" id="{6BC68EAA-2809-4AE4-80C1-2555CEF73DFE}"/>
                 </a:ext>
                 <a:ext uri="{C183D7F6-B498-43B3-948B-1728B52AA6E4}">
-                  <adec:decorative xmlns:adec="http://schemas.microsoft.com/office/drawing/2017/decorative" xmlns="" val="1"/>
+                  <adec:decorative xmlns:adec="http://schemas.microsoft.com/office/drawing/2017/decorative" val="1"/>
                 </a:ext>
               </a:extLst>
             </p:cNvPr>
@@ -18181,7 +18094,7 @@
                   <a16:creationId xmlns:a16="http://schemas.microsoft.com/office/drawing/2014/main" id="{FE709D1B-0541-4414-9E87-CF7D6918C146}"/>
                 </a:ext>
                 <a:ext uri="{C183D7F6-B498-43B3-948B-1728B52AA6E4}">
-                  <adec:decorative xmlns:adec="http://schemas.microsoft.com/office/drawing/2017/decorative" xmlns="" val="1"/>
+                  <adec:decorative xmlns:adec="http://schemas.microsoft.com/office/drawing/2017/decorative" val="1"/>
                 </a:ext>
               </a:extLst>
             </p:cNvPr>
@@ -18264,7 +18177,7 @@
                   <a16:creationId xmlns:a16="http://schemas.microsoft.com/office/drawing/2014/main" id="{33BCB888-11B8-4D01-BCDA-59BBA28DCE0B}"/>
                 </a:ext>
                 <a:ext uri="{C183D7F6-B498-43B3-948B-1728B52AA6E4}">
-                  <adec:decorative xmlns:adec="http://schemas.microsoft.com/office/drawing/2017/decorative" xmlns="" val="1"/>
+                  <adec:decorative xmlns:adec="http://schemas.microsoft.com/office/drawing/2017/decorative" val="1"/>
                 </a:ext>
               </a:extLst>
             </p:cNvPr>
@@ -18369,7 +18282,7 @@
                   <a16:creationId xmlns:a16="http://schemas.microsoft.com/office/drawing/2014/main" id="{28E5CE3E-C11A-4CF7-82BF-37D1221D4E35}"/>
                 </a:ext>
                 <a:ext uri="{C183D7F6-B498-43B3-948B-1728B52AA6E4}">
-                  <adec:decorative xmlns:adec="http://schemas.microsoft.com/office/drawing/2017/decorative" xmlns="" val="1"/>
+                  <adec:decorative xmlns:adec="http://schemas.microsoft.com/office/drawing/2017/decorative" val="1"/>
                 </a:ext>
               </a:extLst>
             </p:cNvPr>
@@ -18452,7 +18365,7 @@
                   <a16:creationId xmlns:a16="http://schemas.microsoft.com/office/drawing/2014/main" id="{55284FC3-21FB-4FA7-B695-2D6A9CEF73E0}"/>
                 </a:ext>
                 <a:ext uri="{C183D7F6-B498-43B3-948B-1728B52AA6E4}">
-                  <adec:decorative xmlns:adec="http://schemas.microsoft.com/office/drawing/2017/decorative" xmlns="" val="1"/>
+                  <adec:decorative xmlns:adec="http://schemas.microsoft.com/office/drawing/2017/decorative" val="1"/>
                 </a:ext>
               </a:extLst>
             </p:cNvPr>
@@ -18557,7 +18470,7 @@
                   <a16:creationId xmlns:a16="http://schemas.microsoft.com/office/drawing/2014/main" id="{13DA6B78-00DE-4E55-9124-EFD72519BB99}"/>
                 </a:ext>
                 <a:ext uri="{C183D7F6-B498-43B3-948B-1728B52AA6E4}">
-                  <adec:decorative xmlns:adec="http://schemas.microsoft.com/office/drawing/2017/decorative" xmlns="" val="1"/>
+                  <adec:decorative xmlns:adec="http://schemas.microsoft.com/office/drawing/2017/decorative" val="1"/>
                 </a:ext>
               </a:extLst>
             </p:cNvPr>
@@ -18606,7 +18519,7 @@
                   <a16:creationId xmlns:a16="http://schemas.microsoft.com/office/drawing/2014/main" id="{D4602B0F-2844-48BE-9B4A-0366AC904506}"/>
                 </a:ext>
                 <a:ext uri="{C183D7F6-B498-43B3-948B-1728B52AA6E4}">
-                  <adec:decorative xmlns:adec="http://schemas.microsoft.com/office/drawing/2017/decorative" xmlns="" val="1"/>
+                  <adec:decorative xmlns:adec="http://schemas.microsoft.com/office/drawing/2017/decorative" val="1"/>
                 </a:ext>
               </a:extLst>
             </p:cNvPr>
@@ -18711,7 +18624,7 @@
                   <a16:creationId xmlns:a16="http://schemas.microsoft.com/office/drawing/2014/main" id="{E31E05BB-6004-474D-9900-D990378FD3F3}"/>
                 </a:ext>
                 <a:ext uri="{C183D7F6-B498-43B3-948B-1728B52AA6E4}">
-                  <adec:decorative xmlns:adec="http://schemas.microsoft.com/office/drawing/2017/decorative" xmlns="" val="1"/>
+                  <adec:decorative xmlns:adec="http://schemas.microsoft.com/office/drawing/2017/decorative" val="1"/>
                 </a:ext>
               </a:extLst>
             </p:cNvPr>
@@ -18788,7 +18701,7 @@
                   <a16:creationId xmlns:a16="http://schemas.microsoft.com/office/drawing/2014/main" id="{00BD01ED-F65D-4601-A77D-508E960E09AC}"/>
                 </a:ext>
                 <a:ext uri="{C183D7F6-B498-43B3-948B-1728B52AA6E4}">
-                  <adec:decorative xmlns:adec="http://schemas.microsoft.com/office/drawing/2017/decorative" xmlns="" val="1"/>
+                  <adec:decorative xmlns:adec="http://schemas.microsoft.com/office/drawing/2017/decorative" val="1"/>
                 </a:ext>
               </a:extLst>
             </p:cNvPr>
@@ -18865,7 +18778,7 @@
                   <a16:creationId xmlns:a16="http://schemas.microsoft.com/office/drawing/2014/main" id="{FD307CAE-789C-4E80-B6F1-9858A3ABA3F8}"/>
                 </a:ext>
                 <a:ext uri="{C183D7F6-B498-43B3-948B-1728B52AA6E4}">
-                  <adec:decorative xmlns:adec="http://schemas.microsoft.com/office/drawing/2017/decorative" xmlns="" val="1"/>
+                  <adec:decorative xmlns:adec="http://schemas.microsoft.com/office/drawing/2017/decorative" val="1"/>
                 </a:ext>
               </a:extLst>
             </p:cNvPr>
@@ -18970,7 +18883,7 @@
                   <a16:creationId xmlns:a16="http://schemas.microsoft.com/office/drawing/2014/main" id="{94B97B29-709E-4E24-B2FA-EF84AA12D290}"/>
                 </a:ext>
                 <a:ext uri="{C183D7F6-B498-43B3-948B-1728B52AA6E4}">
-                  <adec:decorative xmlns:adec="http://schemas.microsoft.com/office/drawing/2017/decorative" xmlns="" val="1"/>
+                  <adec:decorative xmlns:adec="http://schemas.microsoft.com/office/drawing/2017/decorative" val="1"/>
                 </a:ext>
               </a:extLst>
             </p:cNvPr>
@@ -19053,7 +18966,7 @@
                   <a16:creationId xmlns:a16="http://schemas.microsoft.com/office/drawing/2014/main" id="{C05D52B9-1FA2-4E7C-8229-B09811A9013E}"/>
                 </a:ext>
                 <a:ext uri="{C183D7F6-B498-43B3-948B-1728B52AA6E4}">
-                  <adec:decorative xmlns:adec="http://schemas.microsoft.com/office/drawing/2017/decorative" xmlns="" val="1"/>
+                  <adec:decorative xmlns:adec="http://schemas.microsoft.com/office/drawing/2017/decorative" val="1"/>
                 </a:ext>
               </a:extLst>
             </p:cNvPr>
@@ -19130,7 +19043,7 @@
                   <a16:creationId xmlns:a16="http://schemas.microsoft.com/office/drawing/2014/main" id="{CC0A5575-2FB9-440F-B9A8-E0DDE1C37CED}"/>
                 </a:ext>
                 <a:ext uri="{C183D7F6-B498-43B3-948B-1728B52AA6E4}">
-                  <adec:decorative xmlns:adec="http://schemas.microsoft.com/office/drawing/2017/decorative" xmlns="" val="1"/>
+                  <adec:decorative xmlns:adec="http://schemas.microsoft.com/office/drawing/2017/decorative" val="1"/>
                 </a:ext>
               </a:extLst>
             </p:cNvPr>
@@ -19235,7 +19148,7 @@
                   <a16:creationId xmlns:a16="http://schemas.microsoft.com/office/drawing/2014/main" id="{AFFCC88F-01DF-4DE1-8CD5-88631E309127}"/>
                 </a:ext>
                 <a:ext uri="{C183D7F6-B498-43B3-948B-1728B52AA6E4}">
-                  <adec:decorative xmlns:adec="http://schemas.microsoft.com/office/drawing/2017/decorative" xmlns="" val="1"/>
+                  <adec:decorative xmlns:adec="http://schemas.microsoft.com/office/drawing/2017/decorative" val="1"/>
                 </a:ext>
               </a:extLst>
             </p:cNvPr>
@@ -19312,7 +19225,7 @@
                   <a16:creationId xmlns:a16="http://schemas.microsoft.com/office/drawing/2014/main" id="{33EEC40B-E2CD-4BAC-94D6-85B707142267}"/>
                 </a:ext>
                 <a:ext uri="{C183D7F6-B498-43B3-948B-1728B52AA6E4}">
-                  <adec:decorative xmlns:adec="http://schemas.microsoft.com/office/drawing/2017/decorative" xmlns="" val="1"/>
+                  <adec:decorative xmlns:adec="http://schemas.microsoft.com/office/drawing/2017/decorative" val="1"/>
                 </a:ext>
               </a:extLst>
             </p:cNvPr>
@@ -19417,7 +19330,7 @@
                   <a16:creationId xmlns:a16="http://schemas.microsoft.com/office/drawing/2014/main" id="{3E0E9643-5C60-4933-BB1B-9A09057E7239}"/>
                 </a:ext>
                 <a:ext uri="{C183D7F6-B498-43B3-948B-1728B52AA6E4}">
-                  <adec:decorative xmlns:adec="http://schemas.microsoft.com/office/drawing/2017/decorative" xmlns="" val="1"/>
+                  <adec:decorative xmlns:adec="http://schemas.microsoft.com/office/drawing/2017/decorative" val="1"/>
                 </a:ext>
               </a:extLst>
             </p:cNvPr>
@@ -19494,7 +19407,7 @@
                   <a16:creationId xmlns:a16="http://schemas.microsoft.com/office/drawing/2014/main" id="{94F86E92-9EC7-437C-946B-31E7C1C4771A}"/>
                 </a:ext>
                 <a:ext uri="{C183D7F6-B498-43B3-948B-1728B52AA6E4}">
-                  <adec:decorative xmlns:adec="http://schemas.microsoft.com/office/drawing/2017/decorative" xmlns="" val="1"/>
+                  <adec:decorative xmlns:adec="http://schemas.microsoft.com/office/drawing/2017/decorative" val="1"/>
                 </a:ext>
               </a:extLst>
             </p:cNvPr>
@@ -19599,7 +19512,7 @@
                   <a16:creationId xmlns:a16="http://schemas.microsoft.com/office/drawing/2014/main" id="{BE9A51BE-C514-46B5-ABA6-7E7C878F8E53}"/>
                 </a:ext>
                 <a:ext uri="{C183D7F6-B498-43B3-948B-1728B52AA6E4}">
-                  <adec:decorative xmlns:adec="http://schemas.microsoft.com/office/drawing/2017/decorative" xmlns="" val="1"/>
+                  <adec:decorative xmlns:adec="http://schemas.microsoft.com/office/drawing/2017/decorative" val="1"/>
                 </a:ext>
               </a:extLst>
             </p:cNvPr>
@@ -19648,7 +19561,7 @@
                   <a16:creationId xmlns:a16="http://schemas.microsoft.com/office/drawing/2014/main" id="{8B255447-F0E9-4D96-A4B0-F9EDDE58A373}"/>
                 </a:ext>
                 <a:ext uri="{C183D7F6-B498-43B3-948B-1728B52AA6E4}">
-                  <adec:decorative xmlns:adec="http://schemas.microsoft.com/office/drawing/2017/decorative" xmlns="" val="1"/>
+                  <adec:decorative xmlns:adec="http://schemas.microsoft.com/office/drawing/2017/decorative" val="1"/>
                 </a:ext>
               </a:extLst>
             </p:cNvPr>
@@ -19728,7 +19641,7 @@
                   <a16:creationId xmlns:a16="http://schemas.microsoft.com/office/drawing/2014/main" id="{AFAC5F3A-3BE7-489E-A848-498B9995F1D2}"/>
                 </a:ext>
                 <a:ext uri="{C183D7F6-B498-43B3-948B-1728B52AA6E4}">
-                  <adec:decorative xmlns:adec="http://schemas.microsoft.com/office/drawing/2017/decorative" xmlns="" val="1"/>
+                  <adec:decorative xmlns:adec="http://schemas.microsoft.com/office/drawing/2017/decorative" val="1"/>
                 </a:ext>
               </a:extLst>
             </p:cNvPr>
@@ -19833,7 +19746,7 @@
                   <a16:creationId xmlns:a16="http://schemas.microsoft.com/office/drawing/2014/main" id="{A974E7AA-5EF3-4817-B0AE-4C1A784EE9A6}"/>
                 </a:ext>
                 <a:ext uri="{C183D7F6-B498-43B3-948B-1728B52AA6E4}">
-                  <adec:decorative xmlns:adec="http://schemas.microsoft.com/office/drawing/2017/decorative" xmlns="" val="1"/>
+                  <adec:decorative xmlns:adec="http://schemas.microsoft.com/office/drawing/2017/decorative" val="1"/>
                 </a:ext>
               </a:extLst>
             </p:cNvPr>
@@ -19910,7 +19823,7 @@
                   <a16:creationId xmlns:a16="http://schemas.microsoft.com/office/drawing/2014/main" id="{8AA54AC1-3E87-49C0-A594-87829A2CFF37}"/>
                 </a:ext>
                 <a:ext uri="{C183D7F6-B498-43B3-948B-1728B52AA6E4}">
-                  <adec:decorative xmlns:adec="http://schemas.microsoft.com/office/drawing/2017/decorative" xmlns="" val="1"/>
+                  <adec:decorative xmlns:adec="http://schemas.microsoft.com/office/drawing/2017/decorative" val="1"/>
                 </a:ext>
               </a:extLst>
             </p:cNvPr>
@@ -20015,7 +19928,7 @@
                   <a16:creationId xmlns:a16="http://schemas.microsoft.com/office/drawing/2014/main" id="{CC237789-73BC-4BD9-BFE8-1325FA4B5224}"/>
                 </a:ext>
                 <a:ext uri="{C183D7F6-B498-43B3-948B-1728B52AA6E4}">
-                  <adec:decorative xmlns:adec="http://schemas.microsoft.com/office/drawing/2017/decorative" xmlns="" val="1"/>
+                  <adec:decorative xmlns:adec="http://schemas.microsoft.com/office/drawing/2017/decorative" val="1"/>
                 </a:ext>
               </a:extLst>
             </p:cNvPr>
@@ -20120,7 +20033,7 @@
                   <a16:creationId xmlns:a16="http://schemas.microsoft.com/office/drawing/2014/main" id="{DCF4052D-CF62-47DC-991E-49D0BA908F7A}"/>
                 </a:ext>
                 <a:ext uri="{C183D7F6-B498-43B3-948B-1728B52AA6E4}">
-                  <adec:decorative xmlns:adec="http://schemas.microsoft.com/office/drawing/2017/decorative" xmlns="" val="1"/>
+                  <adec:decorative xmlns:adec="http://schemas.microsoft.com/office/drawing/2017/decorative" val="1"/>
                 </a:ext>
               </a:extLst>
             </p:cNvPr>
@@ -20200,7 +20113,7 @@
                   <a16:creationId xmlns:a16="http://schemas.microsoft.com/office/drawing/2014/main" id="{2ABD9104-C938-44F2-8622-8407A2593BBE}"/>
                 </a:ext>
                 <a:ext uri="{C183D7F6-B498-43B3-948B-1728B52AA6E4}">
-                  <adec:decorative xmlns:adec="http://schemas.microsoft.com/office/drawing/2017/decorative" xmlns="" val="1"/>
+                  <adec:decorative xmlns:adec="http://schemas.microsoft.com/office/drawing/2017/decorative" val="1"/>
                 </a:ext>
               </a:extLst>
             </p:cNvPr>
@@ -20277,7 +20190,7 @@
                   <a16:creationId xmlns:a16="http://schemas.microsoft.com/office/drawing/2014/main" id="{4AA18F60-3E86-4A5A-B82E-A79183ED3631}"/>
                 </a:ext>
                 <a:ext uri="{C183D7F6-B498-43B3-948B-1728B52AA6E4}">
-                  <adec:decorative xmlns:adec="http://schemas.microsoft.com/office/drawing/2017/decorative" xmlns="" val="1"/>
+                  <adec:decorative xmlns:adec="http://schemas.microsoft.com/office/drawing/2017/decorative" val="1"/>
                 </a:ext>
               </a:extLst>
             </p:cNvPr>
@@ -20382,7 +20295,7 @@
                   <a16:creationId xmlns:a16="http://schemas.microsoft.com/office/drawing/2014/main" id="{0F34C941-6196-4937-99E5-14AAD23F280C}"/>
                 </a:ext>
                 <a:ext uri="{C183D7F6-B498-43B3-948B-1728B52AA6E4}">
-                  <adec:decorative xmlns:adec="http://schemas.microsoft.com/office/drawing/2017/decorative" xmlns="" val="1"/>
+                  <adec:decorative xmlns:adec="http://schemas.microsoft.com/office/drawing/2017/decorative" val="1"/>
                 </a:ext>
               </a:extLst>
             </p:cNvPr>
@@ -20487,7 +20400,7 @@
                   <a16:creationId xmlns:a16="http://schemas.microsoft.com/office/drawing/2014/main" id="{60DB8A6C-23D7-4A88-BDCE-8FEC86A12307}"/>
                 </a:ext>
                 <a:ext uri="{C183D7F6-B498-43B3-948B-1728B52AA6E4}">
-                  <adec:decorative xmlns:adec="http://schemas.microsoft.com/office/drawing/2017/decorative" xmlns="" val="1"/>
+                  <adec:decorative xmlns:adec="http://schemas.microsoft.com/office/drawing/2017/decorative" val="1"/>
                 </a:ext>
               </a:extLst>
             </p:cNvPr>
@@ -20564,7 +20477,7 @@
                   <a16:creationId xmlns:a16="http://schemas.microsoft.com/office/drawing/2014/main" id="{29F5F702-AEE6-4633-BB20-7A15C3A31FD6}"/>
                 </a:ext>
                 <a:ext uri="{C183D7F6-B498-43B3-948B-1728B52AA6E4}">
-                  <adec:decorative xmlns:adec="http://schemas.microsoft.com/office/drawing/2017/decorative" xmlns="" val="1"/>
+                  <adec:decorative xmlns:adec="http://schemas.microsoft.com/office/drawing/2017/decorative" val="1"/>
                 </a:ext>
               </a:extLst>
             </p:cNvPr>
@@ -20699,7 +20612,7 @@
                   <a16:creationId xmlns:a16="http://schemas.microsoft.com/office/drawing/2014/main" id="{F30C7A45-6890-4EA5-9F6B-E2AB4D04C57B}"/>
                 </a:ext>
                 <a:ext uri="{C183D7F6-B498-43B3-948B-1728B52AA6E4}">
-                  <adec:decorative xmlns:adec="http://schemas.microsoft.com/office/drawing/2017/decorative" xmlns="" val="1"/>
+                  <adec:decorative xmlns:adec="http://schemas.microsoft.com/office/drawing/2017/decorative" val="1"/>
                 </a:ext>
               </a:extLst>
             </p:cNvPr>
@@ -20782,7 +20695,7 @@
                   <a16:creationId xmlns:a16="http://schemas.microsoft.com/office/drawing/2014/main" id="{F31A7373-F68A-485D-95DC-B53ACC7B5F99}"/>
                 </a:ext>
                 <a:ext uri="{C183D7F6-B498-43B3-948B-1728B52AA6E4}">
-                  <adec:decorative xmlns:adec="http://schemas.microsoft.com/office/drawing/2017/decorative" xmlns="" val="1"/>
+                  <adec:decorative xmlns:adec="http://schemas.microsoft.com/office/drawing/2017/decorative" val="1"/>
                 </a:ext>
               </a:extLst>
             </p:cNvPr>
@@ -20899,23 +20812,41 @@
         <p:spPr>
           <a:xfrm>
             <a:off x="1804988" y="2226656"/>
-            <a:ext cx="9294811" cy="2534257"/>
+            <a:ext cx="9294811" cy="2843820"/>
           </a:xfrm>
         </p:spPr>
         <p:txBody>
           <a:bodyPr>
-            <a:normAutofit/>
+            <a:normAutofit fontScale="70000" lnSpcReduction="20000"/>
           </a:bodyPr>
           <a:lstStyle/>
           <a:p>
-            <a:pPr marL="0" indent="0">
-              <a:buNone/>
-            </a:pPr>
             <a:r>
-              <a:rPr lang="en-US" sz="3200" dirty="0" smtClean="0"/>
-              <a:t>Looking for a good clothes factories to deal with, Suffering in shipping process as well.</a:t>
+              <a:rPr lang="en-US" sz="3200" dirty="0"/>
+              <a:t>Monopolism</a:t>
             </a:r>
-            <a:endParaRPr lang="en-US" sz="3200" dirty="0"/>
+          </a:p>
+          <a:p>
+            <a:r>
+              <a:rPr lang="en-US" sz="3200" dirty="0"/>
+              <a:t>It is time and money consuming to travel for choosing the clothes and their quality</a:t>
+            </a:r>
+          </a:p>
+          <a:p>
+            <a:r>
+              <a:rPr lang="en-GB" sz="3200" dirty="0">
+                <a:latin typeface="Bell MT" panose="02020503060305020303" pitchFamily="18" charset="0"/>
+              </a:rPr>
+              <a:t>Money transfer with Instalment though with assurance of transfer completion</a:t>
+            </a:r>
+          </a:p>
+          <a:p>
+            <a:r>
+              <a:rPr lang="en-GB" sz="3200" dirty="0">
+                <a:latin typeface="Bell MT" panose="02020503060305020303" pitchFamily="18" charset="0"/>
+              </a:rPr>
+              <a:t>Also based on a study made on Egypt, the market growth of clothes is going down due to high cost of clothes</a:t>
+            </a:r>
           </a:p>
         </p:txBody>
       </p:sp>
@@ -21030,13 +20961,13 @@
         </p:nvSpPr>
         <p:spPr>
           <a:xfrm>
-            <a:off x="1011837" y="2648983"/>
-            <a:ext cx="10035574" cy="2511426"/>
+            <a:off x="1011837" y="2648984"/>
+            <a:ext cx="10035574" cy="2688923"/>
           </a:xfrm>
         </p:spPr>
         <p:txBody>
           <a:bodyPr>
-            <a:normAutofit/>
+            <a:normAutofit fontScale="77500" lnSpcReduction="20000"/>
           </a:bodyPr>
           <a:lstStyle/>
           <a:p>
@@ -21044,29 +20975,64 @@
               <a:rPr lang="en-GB" dirty="0">
                 <a:latin typeface="Bell MT" panose="02020503060305020303" pitchFamily="18" charset="0"/>
               </a:rPr>
-              <a:t>To enable traders to connect with factories owners </a:t>
+              <a:t>Gathering up with </a:t>
             </a:r>
             <a:r>
-              <a:rPr lang="en-GB" dirty="0" smtClean="0">
+              <a:rPr lang="en-GB" dirty="0" err="1">
                 <a:latin typeface="Bell MT" panose="02020503060305020303" pitchFamily="18" charset="0"/>
               </a:rPr>
-              <a:t>safely </a:t>
+              <a:t>Valu</a:t>
             </a:r>
             <a:r>
               <a:rPr lang="en-GB" dirty="0">
                 <a:latin typeface="Bell MT" panose="02020503060305020303" pitchFamily="18" charset="0"/>
               </a:rPr>
-              <a:t>and avail better chance for people who want to open new stores and shops. Ending with monopolism limitation.</a:t>
+              <a:t> for making instalment easier and more convenient leading to avail better chance for people who want to open new stores and shops</a:t>
             </a:r>
-            <a:endParaRPr lang="en-US" dirty="0">
-              <a:latin typeface="Bell MT" panose="02020503060305020303" pitchFamily="18" charset="0"/>
-            </a:endParaRPr>
           </a:p>
           <a:p>
-            <a:pPr marL="0" indent="0">
-              <a:buNone/>
-            </a:pPr>
-            <a:endParaRPr lang="en-US" sz="3200" dirty="0"/>
+            <a:r>
+              <a:rPr lang="en-GB" dirty="0">
+                <a:latin typeface="Bell MT" panose="02020503060305020303" pitchFamily="18" charset="0"/>
+              </a:rPr>
+              <a:t>Connecting factories with the small merchants directly to lower monopolism</a:t>
+            </a:r>
+          </a:p>
+          <a:p>
+            <a:r>
+              <a:rPr lang="en-GB" dirty="0">
+                <a:latin typeface="Bell MT" panose="02020503060305020303" pitchFamily="18" charset="0"/>
+              </a:rPr>
+              <a:t>Presenting clothes through a user friendly UI|UX experience, also describing clothes material to lower the travel costs to test material and choose clothes</a:t>
+            </a:r>
+          </a:p>
+          <a:p>
+            <a:r>
+              <a:rPr lang="en-GB" dirty="0">
+                <a:latin typeface="Bell MT" panose="02020503060305020303" pitchFamily="18" charset="0"/>
+              </a:rPr>
+              <a:t>These points lead to lower cloth prices for increasing the clothes market grow.</a:t>
+            </a:r>
+          </a:p>
+          <a:p>
+            <a:r>
+              <a:rPr lang="en-GB" dirty="0">
+                <a:latin typeface="Bell MT" panose="02020503060305020303" pitchFamily="18" charset="0"/>
+              </a:rPr>
+              <a:t>Gathering up with </a:t>
+            </a:r>
+            <a:r>
+              <a:rPr lang="en-GB" dirty="0" err="1">
+                <a:latin typeface="Bell MT" panose="02020503060305020303" pitchFamily="18" charset="0"/>
+              </a:rPr>
+              <a:t>Voo</a:t>
+            </a:r>
+            <a:r>
+              <a:rPr lang="en-GB" dirty="0">
+                <a:latin typeface="Bell MT" panose="02020503060305020303" pitchFamily="18" charset="0"/>
+              </a:rPr>
+              <a:t> for making shipments easier</a:t>
+            </a:r>
           </a:p>
         </p:txBody>
       </p:sp>
@@ -21102,13 +21068,7 @@
       </p:grpSpPr>
       <p:sp>
         <p:nvSpPr>
-          <p:cNvPr id="5" name="Title 4">
-            <a:extLst>
-              <a:ext uri="{FF2B5EF4-FFF2-40B4-BE49-F238E27FC236}">
-                <a16:creationId xmlns:a16="http://schemas.microsoft.com/office/drawing/2014/main" id="{F62C978B-4FBC-44E7-9469-EF4508408E9F}"/>
-              </a:ext>
-            </a:extLst>
-          </p:cNvPr>
+          <p:cNvPr id="2" name="Title 1"/>
           <p:cNvSpPr>
             <a:spLocks noGrp="1"/>
           </p:cNvSpPr>
@@ -21118,8 +21078,8 @@
         </p:nvSpPr>
         <p:spPr>
           <a:xfrm>
-            <a:off x="1139822" y="851250"/>
-            <a:ext cx="9912355" cy="819355"/>
+            <a:off x="1227909" y="444139"/>
+            <a:ext cx="9819502" cy="714102"/>
           </a:xfrm>
         </p:spPr>
         <p:txBody>
@@ -21131,290 +21091,56 @@
               <a:rPr lang="en-US" dirty="0">
                 <a:latin typeface="Bell MT" panose="02020503060305020303" pitchFamily="18" charset="0"/>
               </a:rPr>
-              <a:t>Milestone</a:t>
-            </a:r>
-            <a:r>
-              <a:rPr lang="en-US" dirty="0"/>
-              <a:t> </a:t>
+              <a:t>Competitors </a:t>
             </a:r>
           </a:p>
         </p:txBody>
       </p:sp>
       <p:sp>
         <p:nvSpPr>
-          <p:cNvPr id="11" name="Content Placeholder 2">
-            <a:extLst>
-              <a:ext uri="{FF2B5EF4-FFF2-40B4-BE49-F238E27FC236}">
-                <a16:creationId xmlns:a16="http://schemas.microsoft.com/office/drawing/2014/main" id="{CA160018-CBF6-41DD-B5F8-77F29E490461}"/>
-              </a:ext>
-            </a:extLst>
-          </p:cNvPr>
-          <p:cNvSpPr txBox="1">
-            <a:spLocks/>
+          <p:cNvPr id="3" name="Text Placeholder 2"/>
+          <p:cNvSpPr>
+            <a:spLocks noGrp="1"/>
           </p:cNvSpPr>
-          <p:nvPr/>
+          <p:nvPr>
+            <p:ph type="body" sz="half" idx="2"/>
+          </p:nvPr>
         </p:nvSpPr>
         <p:spPr>
           <a:xfrm>
-            <a:off x="591734" y="2480306"/>
-            <a:ext cx="11008529" cy="2633231"/>
+            <a:off x="1097280" y="1889760"/>
+            <a:ext cx="9948589" cy="2690949"/>
           </a:xfrm>
-          <a:prstGeom prst="round2DiagRect">
-            <a:avLst>
-              <a:gd name="adj1" fmla="val 4860"/>
-              <a:gd name="adj2" fmla="val 0"/>
-            </a:avLst>
-          </a:prstGeom>
-          <a:ln w="19050" cap="sq">
-            <a:solidFill>
-              <a:schemeClr val="tx2">
-                <a:lumMod val="60000"/>
-                <a:lumOff val="40000"/>
-                <a:alpha val="60000"/>
-              </a:schemeClr>
-            </a:solidFill>
-            <a:miter lim="800000"/>
-          </a:ln>
-          <a:effectLst>
-            <a:outerShdw blurRad="88900" dist="38100" dir="5400000" algn="t" rotWithShape="0">
-              <a:prstClr val="black">
-                <a:alpha val="40000"/>
-              </a:prstClr>
-            </a:outerShdw>
-          </a:effectLst>
         </p:spPr>
         <p:txBody>
-          <a:bodyPr vert="horz" lIns="91440" tIns="45720" rIns="91440" bIns="45720" rtlCol="0" anchor="t">
+          <a:bodyPr>
             <a:normAutofit/>
           </a:bodyPr>
-          <a:lstStyle>
-            <a:lvl1pPr marL="228600" indent="-228600" algn="l" defTabSz="914400" rtl="0" eaLnBrk="1" latinLnBrk="0" hangingPunct="1">
-              <a:lnSpc>
-                <a:spcPct val="120000"/>
-              </a:lnSpc>
-              <a:spcBef>
-                <a:spcPts val="1000"/>
-              </a:spcBef>
-              <a:buSzPct val="125000"/>
-              <a:buFont typeface="Arial" panose="020B0604020202020204" pitchFamily="34" charset="0"/>
-              <a:buNone/>
-              <a:defRPr lang="en-US" sz="3200" kern="1200">
-                <a:solidFill>
-                  <a:schemeClr val="tx1"/>
-                </a:solidFill>
-                <a:latin typeface="+mn-lt"/>
-                <a:ea typeface="+mn-ea"/>
-                <a:cs typeface="+mn-cs"/>
-              </a:defRPr>
-            </a:lvl1pPr>
-            <a:lvl2pPr marL="685800" indent="-228600" algn="l" defTabSz="914400" rtl="0" eaLnBrk="1" latinLnBrk="0" hangingPunct="1">
-              <a:lnSpc>
-                <a:spcPct val="120000"/>
-              </a:lnSpc>
-              <a:spcBef>
-                <a:spcPts val="500"/>
-              </a:spcBef>
-              <a:buSzPct val="125000"/>
-              <a:buFont typeface="Arial" panose="020B0604020202020204" pitchFamily="34" charset="0"/>
-              <a:buChar char="•"/>
-              <a:defRPr sz="2000" kern="1200">
-                <a:solidFill>
-                  <a:schemeClr val="tx1"/>
-                </a:solidFill>
-                <a:latin typeface="+mn-lt"/>
-                <a:ea typeface="+mn-ea"/>
-                <a:cs typeface="+mn-cs"/>
-              </a:defRPr>
-            </a:lvl2pPr>
-            <a:lvl3pPr marL="1143000" indent="-228600" algn="l" defTabSz="914400" rtl="0" eaLnBrk="1" latinLnBrk="0" hangingPunct="1">
-              <a:lnSpc>
-                <a:spcPct val="120000"/>
-              </a:lnSpc>
-              <a:spcBef>
-                <a:spcPts val="500"/>
-              </a:spcBef>
-              <a:buSzPct val="125000"/>
-              <a:buFont typeface="Arial" panose="020B0604020202020204" pitchFamily="34" charset="0"/>
-              <a:buChar char="•"/>
-              <a:defRPr sz="1800" kern="1200">
-                <a:solidFill>
-                  <a:schemeClr val="tx1"/>
-                </a:solidFill>
-                <a:latin typeface="+mn-lt"/>
-                <a:ea typeface="+mn-ea"/>
-                <a:cs typeface="+mn-cs"/>
-              </a:defRPr>
-            </a:lvl3pPr>
-            <a:lvl4pPr marL="1600200" indent="-228600" algn="l" defTabSz="914400" rtl="0" eaLnBrk="1" latinLnBrk="0" hangingPunct="1">
-              <a:lnSpc>
-                <a:spcPct val="120000"/>
-              </a:lnSpc>
-              <a:spcBef>
-                <a:spcPts val="500"/>
-              </a:spcBef>
-              <a:buSzPct val="125000"/>
-              <a:buFont typeface="Arial" panose="020B0604020202020204" pitchFamily="34" charset="0"/>
-              <a:buChar char="•"/>
-              <a:defRPr sz="1600" kern="1200">
-                <a:solidFill>
-                  <a:schemeClr val="tx1"/>
-                </a:solidFill>
-                <a:latin typeface="+mn-lt"/>
-                <a:ea typeface="+mn-ea"/>
-                <a:cs typeface="+mn-cs"/>
-              </a:defRPr>
-            </a:lvl4pPr>
-            <a:lvl5pPr marL="2057400" indent="-228600" algn="l" defTabSz="914400" rtl="0" eaLnBrk="1" latinLnBrk="0" hangingPunct="1">
-              <a:lnSpc>
-                <a:spcPct val="120000"/>
-              </a:lnSpc>
-              <a:spcBef>
-                <a:spcPts val="500"/>
-              </a:spcBef>
-              <a:buSzPct val="125000"/>
-              <a:buFont typeface="Arial" panose="020B0604020202020204" pitchFamily="34" charset="0"/>
-              <a:buChar char="•"/>
-              <a:defRPr sz="1600" kern="1200">
-                <a:solidFill>
-                  <a:schemeClr val="tx1"/>
-                </a:solidFill>
-                <a:latin typeface="+mn-lt"/>
-                <a:ea typeface="+mn-ea"/>
-                <a:cs typeface="+mn-cs"/>
-              </a:defRPr>
-            </a:lvl5pPr>
-            <a:lvl6pPr marL="2514600" indent="-228600" algn="l" defTabSz="914400" rtl="0" eaLnBrk="1" latinLnBrk="0" hangingPunct="1">
-              <a:lnSpc>
-                <a:spcPct val="120000"/>
-              </a:lnSpc>
-              <a:spcBef>
-                <a:spcPts val="500"/>
-              </a:spcBef>
-              <a:buSzPct val="125000"/>
-              <a:buFont typeface="Arial" panose="020B0604020202020204" pitchFamily="34" charset="0"/>
-              <a:buChar char="•"/>
-              <a:defRPr sz="1400" kern="1200">
-                <a:solidFill>
-                  <a:schemeClr val="tx1"/>
-                </a:solidFill>
-                <a:latin typeface="+mn-lt"/>
-                <a:ea typeface="+mn-ea"/>
-                <a:cs typeface="+mn-cs"/>
-              </a:defRPr>
-            </a:lvl6pPr>
-            <a:lvl7pPr marL="2971800" indent="-228600" algn="l" defTabSz="914400" rtl="0" eaLnBrk="1" latinLnBrk="0" hangingPunct="1">
-              <a:lnSpc>
-                <a:spcPct val="120000"/>
-              </a:lnSpc>
-              <a:spcBef>
-                <a:spcPts val="500"/>
-              </a:spcBef>
-              <a:buSzPct val="125000"/>
-              <a:buFont typeface="Arial" panose="020B0604020202020204" pitchFamily="34" charset="0"/>
-              <a:buChar char="•"/>
-              <a:defRPr sz="1400" kern="1200">
-                <a:solidFill>
-                  <a:schemeClr val="tx1"/>
-                </a:solidFill>
-                <a:latin typeface="+mn-lt"/>
-                <a:ea typeface="+mn-ea"/>
-                <a:cs typeface="+mn-cs"/>
-              </a:defRPr>
-            </a:lvl7pPr>
-            <a:lvl8pPr marL="3429000" indent="-228600" algn="l" defTabSz="914400" rtl="0" eaLnBrk="1" latinLnBrk="0" hangingPunct="1">
-              <a:lnSpc>
-                <a:spcPct val="120000"/>
-              </a:lnSpc>
-              <a:spcBef>
-                <a:spcPts val="500"/>
-              </a:spcBef>
-              <a:buSzPct val="125000"/>
-              <a:buFont typeface="Arial" panose="020B0604020202020204" pitchFamily="34" charset="0"/>
-              <a:buChar char="•"/>
-              <a:defRPr sz="1400" kern="1200">
-                <a:solidFill>
-                  <a:schemeClr val="tx1"/>
-                </a:solidFill>
-                <a:latin typeface="+mn-lt"/>
-                <a:ea typeface="+mn-ea"/>
-                <a:cs typeface="+mn-cs"/>
-              </a:defRPr>
-            </a:lvl8pPr>
-            <a:lvl9pPr marL="3886200" indent="-228600" algn="l" defTabSz="914400" rtl="0" eaLnBrk="1" latinLnBrk="0" hangingPunct="1">
-              <a:lnSpc>
-                <a:spcPct val="120000"/>
-              </a:lnSpc>
-              <a:spcBef>
-                <a:spcPts val="500"/>
-              </a:spcBef>
-              <a:buSzPct val="125000"/>
-              <a:buFont typeface="Arial" panose="020B0604020202020204" pitchFamily="34" charset="0"/>
-              <a:buChar char="•"/>
-              <a:defRPr sz="1400" kern="1200">
-                <a:solidFill>
-                  <a:schemeClr val="tx1"/>
-                </a:solidFill>
-                <a:latin typeface="+mn-lt"/>
-                <a:ea typeface="+mn-ea"/>
-                <a:cs typeface="+mn-cs"/>
-              </a:defRPr>
-            </a:lvl9pPr>
-          </a:lstStyle>
+          <a:lstStyle/>
           <a:p>
-            <a:pPr marL="457200" indent="-457200">
-              <a:buFont typeface="Arial" panose="020B0604020202020204" pitchFamily="34" charset="0"/>
-              <a:buChar char="•"/>
-            </a:pPr>
             <a:r>
-              <a:rPr lang="en-US" dirty="0">
-                <a:latin typeface="Bell MT" panose="02020503060305020303" pitchFamily="18" charset="0"/>
-              </a:rPr>
-              <a:t>A survey that already made to know how much people accept our </a:t>
+              <a:rPr lang="ar-EG" dirty="0"/>
+              <a:t>سوق الجملة</a:t>
             </a:r>
-            <a:r>
-              <a:rPr lang="en-US" dirty="0" smtClean="0">
-                <a:latin typeface="Bell MT" panose="02020503060305020303" pitchFamily="18" charset="0"/>
-              </a:rPr>
-              <a:t>website </a:t>
-            </a:r>
-            <a:endParaRPr lang="en-US" dirty="0">
-              <a:latin typeface="Bell MT" panose="02020503060305020303" pitchFamily="18" charset="0"/>
-            </a:endParaRPr>
           </a:p>
           <a:p>
             <a:r>
-              <a:rPr lang="en-US" sz="2400" dirty="0">
-                <a:latin typeface="Bell MT" panose="02020503060305020303" pitchFamily="18" charset="0"/>
-              </a:rPr>
-              <a:t>(acceptance percentage was </a:t>
+              <a:rPr lang="en-US" dirty="0"/>
+              <a:t>Disadvantages:</a:t>
             </a:r>
-            <a:r>
-              <a:rPr lang="en-US" sz="2400" dirty="0" smtClean="0">
-                <a:latin typeface="Bell MT" panose="02020503060305020303" pitchFamily="18" charset="0"/>
-              </a:rPr>
-              <a:t>50% )</a:t>
-            </a:r>
-            <a:endParaRPr lang="en-US" sz="2400" dirty="0">
-              <a:latin typeface="Bell MT" panose="02020503060305020303" pitchFamily="18" charset="0"/>
-            </a:endParaRPr>
           </a:p>
           <a:p>
             <a:r>
-              <a:rPr lang="en-US" sz="2400" dirty="0">
-                <a:latin typeface="Bell MT" panose="02020503060305020303" pitchFamily="18" charset="0"/>
-              </a:rPr>
-              <a:t> </a:t>
+              <a:rPr lang="en-US" dirty="0"/>
+              <a:t>- Bad user experience</a:t>
             </a:r>
-            <a:endParaRPr lang="en-US" dirty="0">
-              <a:latin typeface="Bell MT" panose="02020503060305020303" pitchFamily="18" charset="0"/>
-            </a:endParaRPr>
           </a:p>
         </p:txBody>
       </p:sp>
     </p:spTree>
     <p:extLst>
       <p:ext uri="{BB962C8B-B14F-4D97-AF65-F5344CB8AC3E}">
-        <p14:creationId xmlns:p14="http://schemas.microsoft.com/office/powerpoint/2010/main" val="3686344781"/>
+        <p14:creationId xmlns:p14="http://schemas.microsoft.com/office/powerpoint/2010/main" val="1758215555"/>
       </p:ext>
     </p:extLst>
   </p:cSld>
@@ -21469,14 +21195,11 @@
           <a:p>
             <a:pPr algn="ctr"/>
             <a:r>
-              <a:rPr lang="en-US" dirty="0" smtClean="0">
+              <a:rPr lang="en-US" dirty="0">
                 <a:latin typeface="Bell MT" panose="02020503060305020303" pitchFamily="18" charset="0"/>
               </a:rPr>
               <a:t>Business model canvas</a:t>
             </a:r>
-            <a:endParaRPr lang="en-US" dirty="0">
-              <a:latin typeface="Bell MT" panose="02020503060305020303" pitchFamily="18" charset="0"/>
-            </a:endParaRPr>
           </a:p>
         </p:txBody>
       </p:sp>
@@ -21538,218 +21261,6 @@
     <p:extLst>
       <p:ext uri="{BB962C8B-B14F-4D97-AF65-F5344CB8AC3E}">
         <p14:creationId xmlns:p14="http://schemas.microsoft.com/office/powerpoint/2010/main" val="2439901598"/>
-      </p:ext>
-    </p:extLst>
-  </p:cSld>
-  <p:clrMapOvr>
-    <a:masterClrMapping/>
-  </p:clrMapOvr>
-</p:sld>
-</file>
-
-<file path=ppt/slides/slide6.xml><?xml version="1.0" encoding="utf-8"?>
-<p:sld xmlns:a="http://schemas.openxmlformats.org/drawingml/2006/main" xmlns:r="http://schemas.openxmlformats.org/officeDocument/2006/relationships" xmlns:p="http://schemas.openxmlformats.org/presentationml/2006/main">
-  <p:cSld>
-    <p:spTree>
-      <p:nvGrpSpPr>
-        <p:cNvPr id="1" name=""/>
-        <p:cNvGrpSpPr/>
-        <p:nvPr/>
-      </p:nvGrpSpPr>
-      <p:grpSpPr>
-        <a:xfrm>
-          <a:off x="0" y="0"/>
-          <a:ext cx="0" cy="0"/>
-          <a:chOff x="0" y="0"/>
-          <a:chExt cx="0" cy="0"/>
-        </a:xfrm>
-      </p:grpSpPr>
-      <p:sp>
-        <p:nvSpPr>
-          <p:cNvPr id="2" name="Title 1"/>
-          <p:cNvSpPr>
-            <a:spLocks noGrp="1"/>
-          </p:cNvSpPr>
-          <p:nvPr>
-            <p:ph type="title"/>
-          </p:nvPr>
-        </p:nvSpPr>
-        <p:spPr>
-          <a:xfrm>
-            <a:off x="1227909" y="444139"/>
-            <a:ext cx="9819502" cy="714102"/>
-          </a:xfrm>
-        </p:spPr>
-        <p:txBody>
-          <a:bodyPr/>
-          <a:lstStyle/>
-          <a:p>
-            <a:pPr algn="ctr"/>
-            <a:r>
-              <a:rPr lang="en-US" dirty="0" smtClean="0">
-                <a:latin typeface="Bell MT" panose="02020503060305020303" pitchFamily="18" charset="0"/>
-              </a:rPr>
-              <a:t>Competitors </a:t>
-            </a:r>
-            <a:endParaRPr lang="en-US" dirty="0">
-              <a:latin typeface="Bell MT" panose="02020503060305020303" pitchFamily="18" charset="0"/>
-            </a:endParaRPr>
-          </a:p>
-        </p:txBody>
-      </p:sp>
-      <p:sp>
-        <p:nvSpPr>
-          <p:cNvPr id="3" name="Text Placeholder 2"/>
-          <p:cNvSpPr>
-            <a:spLocks noGrp="1"/>
-          </p:cNvSpPr>
-          <p:nvPr>
-            <p:ph type="body" sz="half" idx="2"/>
-          </p:nvPr>
-        </p:nvSpPr>
-        <p:spPr>
-          <a:xfrm>
-            <a:off x="1097280" y="1889760"/>
-            <a:ext cx="9948589" cy="2690949"/>
-          </a:xfrm>
-        </p:spPr>
-        <p:txBody>
-          <a:bodyPr>
-            <a:normAutofit/>
-          </a:bodyPr>
-          <a:lstStyle/>
-          <a:p>
-            <a:r>
-              <a:rPr lang="ar-EG" dirty="0" smtClean="0"/>
-              <a:t>سوق الجملة</a:t>
-            </a:r>
-          </a:p>
-          <a:p>
-            <a:r>
-              <a:rPr lang="en-US" dirty="0" smtClean="0"/>
-              <a:t>Disadvantages:</a:t>
-            </a:r>
-          </a:p>
-          <a:p>
-            <a:r>
-              <a:rPr lang="en-US" dirty="0" smtClean="0"/>
-              <a:t>- Bad user experience</a:t>
-            </a:r>
-            <a:endParaRPr lang="en-US" dirty="0"/>
-          </a:p>
-        </p:txBody>
-      </p:sp>
-    </p:spTree>
-    <p:extLst>
-      <p:ext uri="{BB962C8B-B14F-4D97-AF65-F5344CB8AC3E}">
-        <p14:creationId xmlns:p14="http://schemas.microsoft.com/office/powerpoint/2010/main" val="1758215555"/>
-      </p:ext>
-    </p:extLst>
-  </p:cSld>
-  <p:clrMapOvr>
-    <a:masterClrMapping/>
-  </p:clrMapOvr>
-</p:sld>
-</file>
-
-<file path=ppt/slides/slide7.xml><?xml version="1.0" encoding="utf-8"?>
-<p:sld xmlns:a="http://schemas.openxmlformats.org/drawingml/2006/main" xmlns:r="http://schemas.openxmlformats.org/officeDocument/2006/relationships" xmlns:p="http://schemas.openxmlformats.org/presentationml/2006/main">
-  <p:cSld>
-    <p:spTree>
-      <p:nvGrpSpPr>
-        <p:cNvPr id="1" name=""/>
-        <p:cNvGrpSpPr/>
-        <p:nvPr/>
-      </p:nvGrpSpPr>
-      <p:grpSpPr>
-        <a:xfrm>
-          <a:off x="0" y="0"/>
-          <a:ext cx="0" cy="0"/>
-          <a:chOff x="0" y="0"/>
-          <a:chExt cx="0" cy="0"/>
-        </a:xfrm>
-      </p:grpSpPr>
-      <p:sp>
-        <p:nvSpPr>
-          <p:cNvPr id="2" name="Title 1"/>
-          <p:cNvSpPr>
-            <a:spLocks noGrp="1"/>
-          </p:cNvSpPr>
-          <p:nvPr>
-            <p:ph type="title"/>
-          </p:nvPr>
-        </p:nvSpPr>
-        <p:spPr>
-          <a:xfrm>
-            <a:off x="1314994" y="130630"/>
-            <a:ext cx="9732417" cy="975359"/>
-          </a:xfrm>
-        </p:spPr>
-        <p:txBody>
-          <a:bodyPr/>
-          <a:lstStyle/>
-          <a:p>
-            <a:pPr algn="ctr"/>
-            <a:r>
-              <a:rPr lang="en-US" dirty="0" smtClean="0"/>
-              <a:t>Our advantages:</a:t>
-            </a:r>
-            <a:endParaRPr lang="en-US" dirty="0"/>
-          </a:p>
-        </p:txBody>
-      </p:sp>
-      <p:sp>
-        <p:nvSpPr>
-          <p:cNvPr id="3" name="Text Placeholder 2"/>
-          <p:cNvSpPr>
-            <a:spLocks noGrp="1"/>
-          </p:cNvSpPr>
-          <p:nvPr>
-            <p:ph type="body" sz="half" idx="2"/>
-          </p:nvPr>
-        </p:nvSpPr>
-        <p:spPr>
-          <a:xfrm>
-            <a:off x="1141364" y="1219200"/>
-            <a:ext cx="9904505" cy="4579099"/>
-          </a:xfrm>
-        </p:spPr>
-        <p:txBody>
-          <a:bodyPr/>
-          <a:lstStyle/>
-          <a:p>
-            <a:pPr marL="285750" indent="-285750">
-              <a:buFontTx/>
-              <a:buChar char="-"/>
-            </a:pPr>
-            <a:r>
-              <a:rPr lang="en-US" dirty="0" smtClean="0"/>
-              <a:t>Good U|X design adapting for customer needs</a:t>
-            </a:r>
-          </a:p>
-          <a:p>
-            <a:pPr marL="285750" indent="-285750">
-              <a:buFontTx/>
-              <a:buChar char="-"/>
-            </a:pPr>
-            <a:r>
-              <a:rPr lang="en-US" dirty="0" smtClean="0"/>
-              <a:t>Easy to make transaction yet safe</a:t>
-            </a:r>
-          </a:p>
-          <a:p>
-            <a:pPr marL="285750" indent="-285750">
-              <a:buFontTx/>
-              <a:buChar char="-"/>
-            </a:pPr>
-            <a:endParaRPr lang="en-US" dirty="0"/>
-          </a:p>
-        </p:txBody>
-      </p:sp>
-    </p:spTree>
-    <p:extLst>
-      <p:ext uri="{BB962C8B-B14F-4D97-AF65-F5344CB8AC3E}">
-        <p14:creationId xmlns:p14="http://schemas.microsoft.com/office/powerpoint/2010/main" val="2216121740"/>
       </p:ext>
     </p:extLst>
   </p:cSld>
